--- a/4050D028 5-17 平時作業.pptx
+++ b/4050D028 5-17 平時作業.pptx
@@ -109,6 +109,11 @@
       </a:defRPr>
     </a:lvl9pPr>
   </p:defaultTextStyle>
+  <p:extLst>
+    <p:ext uri="{EFAFB233-063F-42B5-8137-9DF3F51BA10A}">
+      <p15:sldGuideLst xmlns:p15="http://schemas.microsoft.com/office/powerpoint/2012/main"/>
+    </p:ext>
+  </p:extLst>
 </p:presentation>
 </file>
 
@@ -5010,9 +5015,9 @@
               <a:t>(Dense(10, </a:t>
             </a:r>
             <a:r>
-              <a:rPr lang="en-US" altLang="zh-TW" sz="1600" b="1" dirty="0">
-                <a:solidFill>
-                  <a:srgbClr val="FF0000"/>
+              <a:rPr lang="en-US" altLang="zh-TW" sz="1400" dirty="0">
+                <a:solidFill>
+                  <a:schemeClr val="tx1"/>
                 </a:solidFill>
               </a:rPr>
               <a:t>activation</a:t>
@@ -5022,7 +5027,11 @@
               <a:t>='</a:t>
             </a:r>
             <a:r>
-              <a:rPr lang="en-US" altLang="zh-TW" sz="1400" dirty="0" err="1"/>
+              <a:rPr lang="en-US" altLang="zh-TW" b="1" dirty="0" err="1">
+                <a:solidFill>
+                  <a:srgbClr val="FF0000"/>
+                </a:solidFill>
+              </a:rPr>
               <a:t>softmax</a:t>
             </a:r>
             <a:r>
@@ -5146,7 +5155,7 @@
         </p:blipFill>
         <p:spPr>
           <a:xfrm>
-            <a:off x="7517187" y="1883869"/>
+            <a:off x="7564812" y="1110046"/>
             <a:ext cx="3634761" cy="2672619"/>
           </a:xfrm>
           <a:prstGeom prst="rect">
@@ -5168,7 +5177,7 @@
         </p:nvSpPr>
         <p:spPr>
           <a:xfrm>
-            <a:off x="7436458" y="1194731"/>
+            <a:off x="6988783" y="351645"/>
             <a:ext cx="1785297" cy="461665"/>
           </a:xfrm>
           <a:prstGeom prst="rect">
@@ -5218,7 +5227,7 @@
         </p:blipFill>
         <p:spPr>
           <a:xfrm>
-            <a:off x="572277" y="4298891"/>
+            <a:off x="6988783" y="4079401"/>
             <a:ext cx="5065570" cy="1252537"/>
           </a:xfrm>
           <a:prstGeom prst="rect">
@@ -5289,7 +5298,7 @@
         </p:nvSpPr>
         <p:spPr>
           <a:xfrm>
-            <a:off x="553368" y="3373318"/>
+            <a:off x="423945" y="3395695"/>
             <a:ext cx="6096000" cy="923330"/>
           </a:xfrm>
           <a:prstGeom prst="rect">
@@ -5438,6 +5447,348 @@
           </a:p>
         </p:txBody>
       </p:sp>
+      <p:sp>
+        <p:nvSpPr>
+          <p:cNvPr id="12" name="內容版面配置區 2">
+            <a:extLst>
+              <a:ext uri="{FF2B5EF4-FFF2-40B4-BE49-F238E27FC236}">
+                <a16:creationId xmlns:a16="http://schemas.microsoft.com/office/drawing/2014/main" id="{B6767A61-5144-4CAF-9662-B872E4C5963A}"/>
+              </a:ext>
+            </a:extLst>
+          </p:cNvPr>
+          <p:cNvSpPr txBox="1">
+            <a:spLocks/>
+          </p:cNvSpPr>
+          <p:nvPr/>
+        </p:nvSpPr>
+        <p:spPr>
+          <a:xfrm>
+            <a:off x="614121" y="4531783"/>
+            <a:ext cx="2130015" cy="565772"/>
+          </a:xfrm>
+          <a:prstGeom prst="rect">
+            <a:avLst/>
+          </a:prstGeom>
+        </p:spPr>
+        <p:txBody>
+          <a:bodyPr vert="horz" lIns="0" tIns="45720" rIns="0" bIns="45720" rtlCol="0">
+            <a:normAutofit/>
+          </a:bodyPr>
+          <a:lstStyle>
+            <a:lvl1pPr marL="91440" indent="-91440" algn="l" defTabSz="914400" rtl="0" eaLnBrk="1" latinLnBrk="0" hangingPunct="1">
+              <a:lnSpc>
+                <a:spcPct val="90000"/>
+              </a:lnSpc>
+              <a:spcBef>
+                <a:spcPts val="1200"/>
+              </a:spcBef>
+              <a:spcAft>
+                <a:spcPts val="200"/>
+              </a:spcAft>
+              <a:buClr>
+                <a:schemeClr val="accent1"/>
+              </a:buClr>
+              <a:buSzPct val="100000"/>
+              <a:buFont typeface="Calibri" panose="020F0502020204030204" pitchFamily="34" charset="0"/>
+              <a:buChar char=" "/>
+              <a:defRPr sz="2000" kern="1200">
+                <a:solidFill>
+                  <a:schemeClr val="tx1">
+                    <a:lumMod val="75000"/>
+                    <a:lumOff val="25000"/>
+                  </a:schemeClr>
+                </a:solidFill>
+                <a:latin typeface="+mn-lt"/>
+                <a:ea typeface="+mn-ea"/>
+                <a:cs typeface="+mn-cs"/>
+              </a:defRPr>
+            </a:lvl1pPr>
+            <a:lvl2pPr marL="384048" indent="-182880" algn="l" defTabSz="914400" rtl="0" eaLnBrk="1" latinLnBrk="0" hangingPunct="1">
+              <a:lnSpc>
+                <a:spcPct val="90000"/>
+              </a:lnSpc>
+              <a:spcBef>
+                <a:spcPts val="200"/>
+              </a:spcBef>
+              <a:spcAft>
+                <a:spcPts val="400"/>
+              </a:spcAft>
+              <a:buClr>
+                <a:schemeClr val="accent1"/>
+              </a:buClr>
+              <a:buFont typeface="Calibri" pitchFamily="34" charset="0"/>
+              <a:buChar char="◦"/>
+              <a:defRPr sz="1800" kern="1200">
+                <a:solidFill>
+                  <a:schemeClr val="tx1">
+                    <a:lumMod val="75000"/>
+                    <a:lumOff val="25000"/>
+                  </a:schemeClr>
+                </a:solidFill>
+                <a:latin typeface="+mn-lt"/>
+                <a:ea typeface="+mn-ea"/>
+                <a:cs typeface="+mn-cs"/>
+              </a:defRPr>
+            </a:lvl2pPr>
+            <a:lvl3pPr marL="566928" indent="-182880" algn="l" defTabSz="914400" rtl="0" eaLnBrk="1" latinLnBrk="0" hangingPunct="1">
+              <a:lnSpc>
+                <a:spcPct val="90000"/>
+              </a:lnSpc>
+              <a:spcBef>
+                <a:spcPts val="200"/>
+              </a:spcBef>
+              <a:spcAft>
+                <a:spcPts val="400"/>
+              </a:spcAft>
+              <a:buClr>
+                <a:schemeClr val="accent1"/>
+              </a:buClr>
+              <a:buFont typeface="Calibri" pitchFamily="34" charset="0"/>
+              <a:buChar char="◦"/>
+              <a:defRPr sz="1400" kern="1200">
+                <a:solidFill>
+                  <a:schemeClr val="tx1">
+                    <a:lumMod val="75000"/>
+                    <a:lumOff val="25000"/>
+                  </a:schemeClr>
+                </a:solidFill>
+                <a:latin typeface="+mn-lt"/>
+                <a:ea typeface="+mn-ea"/>
+                <a:cs typeface="+mn-cs"/>
+              </a:defRPr>
+            </a:lvl3pPr>
+            <a:lvl4pPr marL="749808" indent="-182880" algn="l" defTabSz="914400" rtl="0" eaLnBrk="1" latinLnBrk="0" hangingPunct="1">
+              <a:lnSpc>
+                <a:spcPct val="90000"/>
+              </a:lnSpc>
+              <a:spcBef>
+                <a:spcPts val="200"/>
+              </a:spcBef>
+              <a:spcAft>
+                <a:spcPts val="400"/>
+              </a:spcAft>
+              <a:buClr>
+                <a:schemeClr val="accent1"/>
+              </a:buClr>
+              <a:buFont typeface="Calibri" pitchFamily="34" charset="0"/>
+              <a:buChar char="◦"/>
+              <a:defRPr sz="1400" kern="1200">
+                <a:solidFill>
+                  <a:schemeClr val="tx1">
+                    <a:lumMod val="75000"/>
+                    <a:lumOff val="25000"/>
+                  </a:schemeClr>
+                </a:solidFill>
+                <a:latin typeface="+mn-lt"/>
+                <a:ea typeface="+mn-ea"/>
+                <a:cs typeface="+mn-cs"/>
+              </a:defRPr>
+            </a:lvl4pPr>
+            <a:lvl5pPr marL="932688" indent="-182880" algn="l" defTabSz="914400" rtl="0" eaLnBrk="1" latinLnBrk="0" hangingPunct="1">
+              <a:lnSpc>
+                <a:spcPct val="90000"/>
+              </a:lnSpc>
+              <a:spcBef>
+                <a:spcPts val="200"/>
+              </a:spcBef>
+              <a:spcAft>
+                <a:spcPts val="400"/>
+              </a:spcAft>
+              <a:buClr>
+                <a:schemeClr val="accent1"/>
+              </a:buClr>
+              <a:buFont typeface="Calibri" pitchFamily="34" charset="0"/>
+              <a:buChar char="◦"/>
+              <a:defRPr sz="1400" kern="1200">
+                <a:solidFill>
+                  <a:schemeClr val="tx1">
+                    <a:lumMod val="75000"/>
+                    <a:lumOff val="25000"/>
+                  </a:schemeClr>
+                </a:solidFill>
+                <a:latin typeface="+mn-lt"/>
+                <a:ea typeface="+mn-ea"/>
+                <a:cs typeface="+mn-cs"/>
+              </a:defRPr>
+            </a:lvl5pPr>
+            <a:lvl6pPr marL="1100000" indent="-228600" algn="l" defTabSz="914400" rtl="0" eaLnBrk="1" latinLnBrk="0" hangingPunct="1">
+              <a:lnSpc>
+                <a:spcPct val="90000"/>
+              </a:lnSpc>
+              <a:spcBef>
+                <a:spcPts val="200"/>
+              </a:spcBef>
+              <a:spcAft>
+                <a:spcPts val="400"/>
+              </a:spcAft>
+              <a:buClr>
+                <a:schemeClr val="accent1"/>
+              </a:buClr>
+              <a:buFont typeface="Calibri" pitchFamily="34" charset="0"/>
+              <a:buChar char="◦"/>
+              <a:defRPr sz="1400" kern="1200">
+                <a:solidFill>
+                  <a:schemeClr val="tx1">
+                    <a:lumMod val="75000"/>
+                    <a:lumOff val="25000"/>
+                  </a:schemeClr>
+                </a:solidFill>
+                <a:latin typeface="+mn-lt"/>
+                <a:ea typeface="+mn-ea"/>
+                <a:cs typeface="+mn-cs"/>
+              </a:defRPr>
+            </a:lvl6pPr>
+            <a:lvl7pPr marL="1300000" indent="-228600" algn="l" defTabSz="914400" rtl="0" eaLnBrk="1" latinLnBrk="0" hangingPunct="1">
+              <a:lnSpc>
+                <a:spcPct val="90000"/>
+              </a:lnSpc>
+              <a:spcBef>
+                <a:spcPts val="200"/>
+              </a:spcBef>
+              <a:spcAft>
+                <a:spcPts val="400"/>
+              </a:spcAft>
+              <a:buClr>
+                <a:schemeClr val="accent1"/>
+              </a:buClr>
+              <a:buFont typeface="Calibri" pitchFamily="34" charset="0"/>
+              <a:buChar char="◦"/>
+              <a:defRPr sz="1400" kern="1200">
+                <a:solidFill>
+                  <a:schemeClr val="tx1">
+                    <a:lumMod val="75000"/>
+                    <a:lumOff val="25000"/>
+                  </a:schemeClr>
+                </a:solidFill>
+                <a:latin typeface="+mn-lt"/>
+                <a:ea typeface="+mn-ea"/>
+                <a:cs typeface="+mn-cs"/>
+              </a:defRPr>
+            </a:lvl7pPr>
+            <a:lvl8pPr marL="1500000" indent="-228600" algn="l" defTabSz="914400" rtl="0" eaLnBrk="1" latinLnBrk="0" hangingPunct="1">
+              <a:lnSpc>
+                <a:spcPct val="90000"/>
+              </a:lnSpc>
+              <a:spcBef>
+                <a:spcPts val="200"/>
+              </a:spcBef>
+              <a:spcAft>
+                <a:spcPts val="400"/>
+              </a:spcAft>
+              <a:buClr>
+                <a:schemeClr val="accent1"/>
+              </a:buClr>
+              <a:buFont typeface="Calibri" pitchFamily="34" charset="0"/>
+              <a:buChar char="◦"/>
+              <a:defRPr sz="1400" kern="1200">
+                <a:solidFill>
+                  <a:schemeClr val="tx1">
+                    <a:lumMod val="75000"/>
+                    <a:lumOff val="25000"/>
+                  </a:schemeClr>
+                </a:solidFill>
+                <a:latin typeface="+mn-lt"/>
+                <a:ea typeface="+mn-ea"/>
+                <a:cs typeface="+mn-cs"/>
+              </a:defRPr>
+            </a:lvl8pPr>
+            <a:lvl9pPr marL="1700000" indent="-228600" algn="l" defTabSz="914400" rtl="0" eaLnBrk="1" latinLnBrk="0" hangingPunct="1">
+              <a:lnSpc>
+                <a:spcPct val="90000"/>
+              </a:lnSpc>
+              <a:spcBef>
+                <a:spcPts val="200"/>
+              </a:spcBef>
+              <a:spcAft>
+                <a:spcPts val="400"/>
+              </a:spcAft>
+              <a:buClr>
+                <a:schemeClr val="accent1"/>
+              </a:buClr>
+              <a:buFont typeface="Calibri" pitchFamily="34" charset="0"/>
+              <a:buChar char="◦"/>
+              <a:defRPr sz="1400" kern="1200">
+                <a:solidFill>
+                  <a:schemeClr val="tx1">
+                    <a:lumMod val="75000"/>
+                    <a:lumOff val="25000"/>
+                  </a:schemeClr>
+                </a:solidFill>
+                <a:latin typeface="+mn-lt"/>
+                <a:ea typeface="+mn-ea"/>
+                <a:cs typeface="+mn-cs"/>
+              </a:defRPr>
+            </a:lvl9pPr>
+          </a:lstStyle>
+          <a:p>
+            <a:r>
+              <a:rPr lang="en-US" altLang="zh-TW" sz="2800" b="1" dirty="0" err="1">
+                <a:solidFill>
+                  <a:schemeClr val="tx1"/>
+                </a:solidFill>
+              </a:rPr>
+              <a:t>Softmax</a:t>
+            </a:r>
+            <a:r>
+              <a:rPr lang="zh-TW" altLang="en-US" sz="2800" b="1" dirty="0">
+                <a:solidFill>
+                  <a:schemeClr val="tx1"/>
+                </a:solidFill>
+              </a:rPr>
+              <a:t> </a:t>
+            </a:r>
+            <a:r>
+              <a:rPr lang="en-US" altLang="zh-TW" sz="2800" b="1" dirty="0">
+                <a:solidFill>
+                  <a:schemeClr val="tx1"/>
+                </a:solidFill>
+              </a:rPr>
+              <a:t>:</a:t>
+            </a:r>
+            <a:endParaRPr lang="zh-TW" altLang="en-US" sz="2800" dirty="0">
+              <a:solidFill>
+                <a:schemeClr val="tx1"/>
+              </a:solidFill>
+            </a:endParaRPr>
+          </a:p>
+        </p:txBody>
+      </p:sp>
+      <p:pic>
+        <p:nvPicPr>
+          <p:cNvPr id="13" name="圖片 12" descr="一張含有 刀, 桌 的圖片&#10;&#10;自動產生的描述">
+            <a:extLst>
+              <a:ext uri="{FF2B5EF4-FFF2-40B4-BE49-F238E27FC236}">
+                <a16:creationId xmlns:a16="http://schemas.microsoft.com/office/drawing/2014/main" id="{075517CE-85DB-461D-974C-17539FC81361}"/>
+              </a:ext>
+            </a:extLst>
+          </p:cNvPr>
+          <p:cNvPicPr>
+            <a:picLocks noChangeAspect="1"/>
+          </p:cNvPicPr>
+          <p:nvPr/>
+        </p:nvPicPr>
+        <p:blipFill>
+          <a:blip r:embed="rId4">
+            <a:extLst>
+              <a:ext uri="{28A0092B-C50C-407E-A947-70E740481C1C}">
+                <a14:useLocalDpi xmlns:a14="http://schemas.microsoft.com/office/drawing/2010/main" val="0"/>
+              </a:ext>
+            </a:extLst>
+          </a:blip>
+          <a:stretch>
+            <a:fillRect/>
+          </a:stretch>
+        </p:blipFill>
+        <p:spPr>
+          <a:xfrm>
+            <a:off x="2286000" y="4512604"/>
+            <a:ext cx="3810000" cy="1200150"/>
+          </a:xfrm>
+          <a:prstGeom prst="rect">
+            <a:avLst/>
+          </a:prstGeom>
+        </p:spPr>
+      </p:pic>
     </p:spTree>
     <p:extLst>
       <p:ext uri="{BB962C8B-B14F-4D97-AF65-F5344CB8AC3E}">
